--- a/06_XgbCV/06_XgbCV.pptx
+++ b/06_XgbCV/06_XgbCV.pptx
@@ -120,7 +120,7 @@
   </p:defaultTextStyle>
   <p:extLst>
     <p:ext uri="{EFAFB233-063F-42B5-8137-9DF3F51BA10A}">
-      <p15:sldGuideLst xmlns:p15="http://schemas.microsoft.com/office/powerpoint/2012/main">
+      <p15:sldGuideLst xmlns:p15="http://schemas.microsoft.com/office/powerpoint/2012/main" xmlns="">
         <p15:guide id="1" orient="horz" pos="2160">
           <p15:clr>
             <a:srgbClr val="A4A3A4"/>
@@ -219,7 +219,7 @@
           <a:p>
             <a:fld id="{05BF5AB9-3463-4E65-AFD3-5431B79ADFDC}" type="datetimeFigureOut">
               <a:rPr lang="zh-TW" altLang="en-US" smtClean="0"/>
-              <a:t>2020/5/7</a:t>
+              <a:t>2021/7/20</a:t>
             </a:fld>
             <a:endParaRPr lang="zh-TW" altLang="en-US"/>
           </a:p>
@@ -384,7 +384,7 @@
           <a:p>
             <a:fld id="{838FF680-7B6B-4655-B6A1-33A8AD0AE8B4}" type="datetimeFigureOut">
               <a:rPr lang="zh-TW" altLang="en-US" smtClean="0"/>
-              <a:t>2020/5/7</a:t>
+              <a:t>2021/7/20</a:t>
             </a:fld>
             <a:endParaRPr lang="zh-TW" altLang="en-US"/>
           </a:p>
@@ -3021,7 +3021,7 @@
   </p:clrMapOvr>
   <p:extLst mod="1">
     <p:ext uri="{DCECCB84-F9BA-43D5-87BE-67443E8EF086}">
-      <p15:sldGuideLst xmlns:p15="http://schemas.microsoft.com/office/powerpoint/2012/main">
+      <p15:sldGuideLst xmlns:p15="http://schemas.microsoft.com/office/powerpoint/2012/main" xmlns="">
         <p15:guide id="1" orient="horz" pos="2160">
           <p15:clr>
             <a:srgbClr val="FBAE40"/>
@@ -5273,7 +5273,7 @@
           <p:cNvPr id="3" name="投影片編號版面配置區 2">
             <a:extLst>
               <a:ext uri="{FF2B5EF4-FFF2-40B4-BE49-F238E27FC236}">
-                <a16:creationId xmlns:a16="http://schemas.microsoft.com/office/drawing/2014/main" id="{80DDD633-5BAF-411C-B15B-A2238EB8807F}"/>
+                <a16:creationId xmlns:a16="http://schemas.microsoft.com/office/drawing/2014/main" xmlns="" id="{80DDD633-5BAF-411C-B15B-A2238EB8807F}"/>
               </a:ext>
             </a:extLst>
           </p:cNvPr>
@@ -5303,7 +5303,7 @@
           <p:cNvPr id="4" name="標題 3">
             <a:extLst>
               <a:ext uri="{FF2B5EF4-FFF2-40B4-BE49-F238E27FC236}">
-                <a16:creationId xmlns:a16="http://schemas.microsoft.com/office/drawing/2014/main" id="{8443C7DD-5E98-43D0-B7D5-5A6CBBAFA890}"/>
+                <a16:creationId xmlns:a16="http://schemas.microsoft.com/office/drawing/2014/main" xmlns="" id="{8443C7DD-5E98-43D0-B7D5-5A6CBBAFA890}"/>
               </a:ext>
             </a:extLst>
           </p:cNvPr>
@@ -5331,7 +5331,7 @@
           <p:cNvPr id="7" name="內容版面配置區 6">
             <a:extLst>
               <a:ext uri="{FF2B5EF4-FFF2-40B4-BE49-F238E27FC236}">
-                <a16:creationId xmlns:a16="http://schemas.microsoft.com/office/drawing/2014/main" id="{2A516BF2-8D94-4BB1-BC28-E7F38D50B201}"/>
+                <a16:creationId xmlns:a16="http://schemas.microsoft.com/office/drawing/2014/main" xmlns="" id="{2A516BF2-8D94-4BB1-BC28-E7F38D50B201}"/>
               </a:ext>
             </a:extLst>
           </p:cNvPr>
@@ -5356,7 +5356,7 @@
           <p:cNvPr id="8" name="圖片 7">
             <a:extLst>
               <a:ext uri="{FF2B5EF4-FFF2-40B4-BE49-F238E27FC236}">
-                <a16:creationId xmlns:a16="http://schemas.microsoft.com/office/drawing/2014/main" id="{BE91204B-CF92-4252-9F6B-9DCF8757FEFF}"/>
+                <a16:creationId xmlns:a16="http://schemas.microsoft.com/office/drawing/2014/main" xmlns="" id="{BE91204B-CF92-4252-9F6B-9DCF8757FEFF}"/>
               </a:ext>
             </a:extLst>
           </p:cNvPr>
@@ -5416,7 +5416,7 @@
           <p:cNvPr id="2" name="內容版面配置區 1">
             <a:extLst>
               <a:ext uri="{FF2B5EF4-FFF2-40B4-BE49-F238E27FC236}">
-                <a16:creationId xmlns:a16="http://schemas.microsoft.com/office/drawing/2014/main" id="{5328DD5F-1BD3-4D8C-A36D-149C381D3DF3}"/>
+                <a16:creationId xmlns:a16="http://schemas.microsoft.com/office/drawing/2014/main" xmlns="" id="{5328DD5F-1BD3-4D8C-A36D-149C381D3DF3}"/>
               </a:ext>
             </a:extLst>
           </p:cNvPr>
@@ -5451,7 +5451,7 @@
           <p:cNvPr id="3" name="投影片編號版面配置區 2">
             <a:extLst>
               <a:ext uri="{FF2B5EF4-FFF2-40B4-BE49-F238E27FC236}">
-                <a16:creationId xmlns:a16="http://schemas.microsoft.com/office/drawing/2014/main" id="{80DDD633-5BAF-411C-B15B-A2238EB8807F}"/>
+                <a16:creationId xmlns:a16="http://schemas.microsoft.com/office/drawing/2014/main" xmlns="" id="{80DDD633-5BAF-411C-B15B-A2238EB8807F}"/>
               </a:ext>
             </a:extLst>
           </p:cNvPr>
@@ -5481,7 +5481,7 @@
           <p:cNvPr id="4" name="標題 3">
             <a:extLst>
               <a:ext uri="{FF2B5EF4-FFF2-40B4-BE49-F238E27FC236}">
-                <a16:creationId xmlns:a16="http://schemas.microsoft.com/office/drawing/2014/main" id="{8443C7DD-5E98-43D0-B7D5-5A6CBBAFA890}"/>
+                <a16:creationId xmlns:a16="http://schemas.microsoft.com/office/drawing/2014/main" xmlns="" id="{8443C7DD-5E98-43D0-B7D5-5A6CBBAFA890}"/>
               </a:ext>
             </a:extLst>
           </p:cNvPr>
@@ -5511,7 +5511,7 @@
             <a:hlinkClick r:id="rId2"/>
             <a:extLst>
               <a:ext uri="{FF2B5EF4-FFF2-40B4-BE49-F238E27FC236}">
-                <a16:creationId xmlns:a16="http://schemas.microsoft.com/office/drawing/2014/main" id="{1B80D57C-F324-4E28-8D4B-60B394FB4908}"/>
+                <a16:creationId xmlns:a16="http://schemas.microsoft.com/office/drawing/2014/main" xmlns="" id="{1B80D57C-F324-4E28-8D4B-60B394FB4908}"/>
               </a:ext>
             </a:extLst>
           </p:cNvPr>
@@ -5558,7 +5558,7 @@
           <p:cNvPr id="5" name="文字方塊 4">
             <a:extLst>
               <a:ext uri="{FF2B5EF4-FFF2-40B4-BE49-F238E27FC236}">
-                <a16:creationId xmlns:a16="http://schemas.microsoft.com/office/drawing/2014/main" id="{6E7A2917-B808-4DA5-A0FF-BCFD8A737D87}"/>
+                <a16:creationId xmlns:a16="http://schemas.microsoft.com/office/drawing/2014/main" xmlns="" id="{6E7A2917-B808-4DA5-A0FF-BCFD8A737D87}"/>
               </a:ext>
             </a:extLst>
           </p:cNvPr>
@@ -5632,7 +5632,7 @@
           <p:cNvPr id="2" name="內容版面配置區 1">
             <a:extLst>
               <a:ext uri="{FF2B5EF4-FFF2-40B4-BE49-F238E27FC236}">
-                <a16:creationId xmlns:a16="http://schemas.microsoft.com/office/drawing/2014/main" id="{5328DD5F-1BD3-4D8C-A36D-149C381D3DF3}"/>
+                <a16:creationId xmlns:a16="http://schemas.microsoft.com/office/drawing/2014/main" xmlns="" id="{5328DD5F-1BD3-4D8C-A36D-149C381D3DF3}"/>
               </a:ext>
             </a:extLst>
           </p:cNvPr>
@@ -6008,7 +6008,7 @@
           <p:cNvPr id="3" name="投影片編號版面配置區 2">
             <a:extLst>
               <a:ext uri="{FF2B5EF4-FFF2-40B4-BE49-F238E27FC236}">
-                <a16:creationId xmlns:a16="http://schemas.microsoft.com/office/drawing/2014/main" id="{80DDD633-5BAF-411C-B15B-A2238EB8807F}"/>
+                <a16:creationId xmlns:a16="http://schemas.microsoft.com/office/drawing/2014/main" xmlns="" id="{80DDD633-5BAF-411C-B15B-A2238EB8807F}"/>
               </a:ext>
             </a:extLst>
           </p:cNvPr>
@@ -6038,7 +6038,7 @@
           <p:cNvPr id="4" name="標題 3">
             <a:extLst>
               <a:ext uri="{FF2B5EF4-FFF2-40B4-BE49-F238E27FC236}">
-                <a16:creationId xmlns:a16="http://schemas.microsoft.com/office/drawing/2014/main" id="{8443C7DD-5E98-43D0-B7D5-5A6CBBAFA890}"/>
+                <a16:creationId xmlns:a16="http://schemas.microsoft.com/office/drawing/2014/main" xmlns="" id="{8443C7DD-5E98-43D0-B7D5-5A6CBBAFA890}"/>
               </a:ext>
             </a:extLst>
           </p:cNvPr>
@@ -6097,7 +6097,7 @@
           <p:cNvPr id="2" name="內容版面配置區 1">
             <a:extLst>
               <a:ext uri="{FF2B5EF4-FFF2-40B4-BE49-F238E27FC236}">
-                <a16:creationId xmlns:a16="http://schemas.microsoft.com/office/drawing/2014/main" id="{5328DD5F-1BD3-4D8C-A36D-149C381D3DF3}"/>
+                <a16:creationId xmlns:a16="http://schemas.microsoft.com/office/drawing/2014/main" xmlns="" id="{5328DD5F-1BD3-4D8C-A36D-149C381D3DF3}"/>
               </a:ext>
             </a:extLst>
           </p:cNvPr>
@@ -6157,7 +6157,7 @@
           <p:cNvPr id="3" name="投影片編號版面配置區 2">
             <a:extLst>
               <a:ext uri="{FF2B5EF4-FFF2-40B4-BE49-F238E27FC236}">
-                <a16:creationId xmlns:a16="http://schemas.microsoft.com/office/drawing/2014/main" id="{80DDD633-5BAF-411C-B15B-A2238EB8807F}"/>
+                <a16:creationId xmlns:a16="http://schemas.microsoft.com/office/drawing/2014/main" xmlns="" id="{80DDD633-5BAF-411C-B15B-A2238EB8807F}"/>
               </a:ext>
             </a:extLst>
           </p:cNvPr>
@@ -6187,7 +6187,7 @@
           <p:cNvPr id="4" name="標題 3">
             <a:extLst>
               <a:ext uri="{FF2B5EF4-FFF2-40B4-BE49-F238E27FC236}">
-                <a16:creationId xmlns:a16="http://schemas.microsoft.com/office/drawing/2014/main" id="{8443C7DD-5E98-43D0-B7D5-5A6CBBAFA890}"/>
+                <a16:creationId xmlns:a16="http://schemas.microsoft.com/office/drawing/2014/main" xmlns="" id="{8443C7DD-5E98-43D0-B7D5-5A6CBBAFA890}"/>
               </a:ext>
             </a:extLst>
           </p:cNvPr>
@@ -6246,7 +6246,7 @@
           <p:cNvPr id="2" name="內容版面配置區 1">
             <a:extLst>
               <a:ext uri="{FF2B5EF4-FFF2-40B4-BE49-F238E27FC236}">
-                <a16:creationId xmlns:a16="http://schemas.microsoft.com/office/drawing/2014/main" id="{5328DD5F-1BD3-4D8C-A36D-149C381D3DF3}"/>
+                <a16:creationId xmlns:a16="http://schemas.microsoft.com/office/drawing/2014/main" xmlns="" id="{5328DD5F-1BD3-4D8C-A36D-149C381D3DF3}"/>
               </a:ext>
             </a:extLst>
           </p:cNvPr>
@@ -6421,7 +6421,7 @@
           <p:cNvPr id="3" name="投影片編號版面配置區 2">
             <a:extLst>
               <a:ext uri="{FF2B5EF4-FFF2-40B4-BE49-F238E27FC236}">
-                <a16:creationId xmlns:a16="http://schemas.microsoft.com/office/drawing/2014/main" id="{80DDD633-5BAF-411C-B15B-A2238EB8807F}"/>
+                <a16:creationId xmlns:a16="http://schemas.microsoft.com/office/drawing/2014/main" xmlns="" id="{80DDD633-5BAF-411C-B15B-A2238EB8807F}"/>
               </a:ext>
             </a:extLst>
           </p:cNvPr>
@@ -6451,7 +6451,7 @@
           <p:cNvPr id="4" name="標題 3">
             <a:extLst>
               <a:ext uri="{FF2B5EF4-FFF2-40B4-BE49-F238E27FC236}">
-                <a16:creationId xmlns:a16="http://schemas.microsoft.com/office/drawing/2014/main" id="{8443C7DD-5E98-43D0-B7D5-5A6CBBAFA890}"/>
+                <a16:creationId xmlns:a16="http://schemas.microsoft.com/office/drawing/2014/main" xmlns="" id="{8443C7DD-5E98-43D0-B7D5-5A6CBBAFA890}"/>
               </a:ext>
             </a:extLst>
           </p:cNvPr>
@@ -6510,7 +6510,7 @@
           <p:cNvPr id="2" name="內容版面配置區 1">
             <a:extLst>
               <a:ext uri="{FF2B5EF4-FFF2-40B4-BE49-F238E27FC236}">
-                <a16:creationId xmlns:a16="http://schemas.microsoft.com/office/drawing/2014/main" id="{0AE2BCAF-EEA6-4A74-8EBF-97CDBE0783BD}"/>
+                <a16:creationId xmlns:a16="http://schemas.microsoft.com/office/drawing/2014/main" xmlns="" id="{0AE2BCAF-EEA6-4A74-8EBF-97CDBE0783BD}"/>
               </a:ext>
             </a:extLst>
           </p:cNvPr>
@@ -6538,7 +6538,7 @@
           <p:cNvPr id="3" name="投影片編號版面配置區 2">
             <a:extLst>
               <a:ext uri="{FF2B5EF4-FFF2-40B4-BE49-F238E27FC236}">
-                <a16:creationId xmlns:a16="http://schemas.microsoft.com/office/drawing/2014/main" id="{A89E6784-F164-4302-9463-8EFA4FC01CF0}"/>
+                <a16:creationId xmlns:a16="http://schemas.microsoft.com/office/drawing/2014/main" xmlns="" id="{A89E6784-F164-4302-9463-8EFA4FC01CF0}"/>
               </a:ext>
             </a:extLst>
           </p:cNvPr>
@@ -6568,7 +6568,7 @@
           <p:cNvPr id="4" name="標題 3">
             <a:extLst>
               <a:ext uri="{FF2B5EF4-FFF2-40B4-BE49-F238E27FC236}">
-                <a16:creationId xmlns:a16="http://schemas.microsoft.com/office/drawing/2014/main" id="{DCD08D24-276E-4F08-9487-6989EB455766}"/>
+                <a16:creationId xmlns:a16="http://schemas.microsoft.com/office/drawing/2014/main" xmlns="" id="{DCD08D24-276E-4F08-9487-6989EB455766}"/>
               </a:ext>
             </a:extLst>
           </p:cNvPr>
@@ -6597,7 +6597,7 @@
           <p:cNvPr id="5" name="圖片 4">
             <a:extLst>
               <a:ext uri="{FF2B5EF4-FFF2-40B4-BE49-F238E27FC236}">
-                <a16:creationId xmlns:a16="http://schemas.microsoft.com/office/drawing/2014/main" id="{104BB0B3-443C-4D64-B0BD-71EAAC27F6CF}"/>
+                <a16:creationId xmlns:a16="http://schemas.microsoft.com/office/drawing/2014/main" xmlns="" id="{104BB0B3-443C-4D64-B0BD-71EAAC27F6CF}"/>
               </a:ext>
             </a:extLst>
           </p:cNvPr>
@@ -6657,7 +6657,7 @@
           <p:cNvPr id="2" name="內容版面配置區 1">
             <a:extLst>
               <a:ext uri="{FF2B5EF4-FFF2-40B4-BE49-F238E27FC236}">
-                <a16:creationId xmlns:a16="http://schemas.microsoft.com/office/drawing/2014/main" id="{6AC553E7-4286-4AC1-91A5-1944C8DE375A}"/>
+                <a16:creationId xmlns:a16="http://schemas.microsoft.com/office/drawing/2014/main" xmlns="" id="{6AC553E7-4286-4AC1-91A5-1944C8DE375A}"/>
               </a:ext>
             </a:extLst>
           </p:cNvPr>
@@ -6686,7 +6686,7 @@
           <p:cNvPr id="3" name="投影片編號版面配置區 2">
             <a:extLst>
               <a:ext uri="{FF2B5EF4-FFF2-40B4-BE49-F238E27FC236}">
-                <a16:creationId xmlns:a16="http://schemas.microsoft.com/office/drawing/2014/main" id="{B1AE69C7-5F61-4795-9D33-DDF263738961}"/>
+                <a16:creationId xmlns:a16="http://schemas.microsoft.com/office/drawing/2014/main" xmlns="" id="{B1AE69C7-5F61-4795-9D33-DDF263738961}"/>
               </a:ext>
             </a:extLst>
           </p:cNvPr>
@@ -6716,7 +6716,7 @@
           <p:cNvPr id="4" name="標題 3">
             <a:extLst>
               <a:ext uri="{FF2B5EF4-FFF2-40B4-BE49-F238E27FC236}">
-                <a16:creationId xmlns:a16="http://schemas.microsoft.com/office/drawing/2014/main" id="{2647E96F-6534-4ECE-8195-C62BD108FDC6}"/>
+                <a16:creationId xmlns:a16="http://schemas.microsoft.com/office/drawing/2014/main" xmlns="" id="{2647E96F-6534-4ECE-8195-C62BD108FDC6}"/>
               </a:ext>
             </a:extLst>
           </p:cNvPr>
@@ -6745,7 +6745,7 @@
           <p:cNvPr id="4098" name="Picture 2">
             <a:extLst>
               <a:ext uri="{FF2B5EF4-FFF2-40B4-BE49-F238E27FC236}">
-                <a16:creationId xmlns:a16="http://schemas.microsoft.com/office/drawing/2014/main" id="{CF42F915-FED6-46FC-B4A9-A989E896A73E}"/>
+                <a16:creationId xmlns:a16="http://schemas.microsoft.com/office/drawing/2014/main" xmlns="" id="{CF42F915-FED6-46FC-B4A9-A989E896A73E}"/>
               </a:ext>
             </a:extLst>
           </p:cNvPr>
@@ -7186,7 +7186,7 @@
   <a:extraClrSchemeLst/>
   <a:extLst>
     <a:ext uri="{05A4C25C-085E-4340-85A3-A5531E510DB2}">
-      <thm15:themeFamily xmlns:thm15="http://schemas.microsoft.com/office/thememl/2012/main" name="簡報1" id="{9F657D65-ACA1-4C9A-A249-42B91234B9AD}" vid="{DF6CEEC3-935B-462F-971D-61A2C59E3EC3}"/>
+      <thm15:themeFamily xmlns:thm15="http://schemas.microsoft.com/office/thememl/2012/main" xmlns="" name="簡報1" id="{9F657D65-ACA1-4C9A-A249-42B91234B9AD}" vid="{DF6CEEC3-935B-462F-971D-61A2C59E3EC3}"/>
     </a:ext>
   </a:extLst>
 </a:theme>
